--- a/slides/07-storytelling.pptx
+++ b/slides/07-storytelling.pptx
@@ -5,7 +5,7 @@
     <p:sldMasterId id="2147483852" r:id="rId1"/>
   </p:sldMasterIdLst>
   <p:notesMasterIdLst>
-    <p:notesMasterId r:id="rId33"/>
+    <p:notesMasterId r:id="rId34"/>
   </p:notesMasterIdLst>
   <p:sldIdLst>
     <p:sldId id="256" r:id="rId2"/>
@@ -38,7 +38,8 @@
     <p:sldId id="281" r:id="rId29"/>
     <p:sldId id="282" r:id="rId30"/>
     <p:sldId id="283" r:id="rId31"/>
-    <p:sldId id="284" r:id="rId32"/>
+    <p:sldId id="294" r:id="rId32"/>
+    <p:sldId id="284" r:id="rId33"/>
   </p:sldIdLst>
   <p:sldSz cx="12192000" cy="6858000"/>
   <p:notesSz cx="6858000" cy="9144000"/>
@@ -227,7 +228,7 @@
           <a:p>
             <a:fld id="{3CBB8A52-8AC5-C74C-97FB-632C448F3674}" type="datetimeFigureOut">
               <a:rPr lang="en-US" smtClean="0"/>
-              <a:t>9/24/25</a:t>
+              <a:t>9/25/25</a:t>
             </a:fld>
             <a:endParaRPr lang="en-US"/>
           </a:p>
@@ -2992,6 +2993,133 @@
   <p:cSld>
     <p:spTree>
       <p:nvGrpSpPr>
+        <p:cNvPr id="1" name="Shape 399">
+          <a:extLst>
+            <a:ext uri="{FF2B5EF4-FFF2-40B4-BE49-F238E27FC236}">
+              <a16:creationId xmlns:a16="http://schemas.microsoft.com/office/drawing/2014/main" id="{F6DF9BC9-8A2D-2879-8B51-8866B7ADC13A}"/>
+            </a:ext>
+          </a:extLst>
+        </p:cNvPr>
+        <p:cNvGrpSpPr/>
+        <p:nvPr/>
+      </p:nvGrpSpPr>
+      <p:grpSpPr>
+        <a:xfrm>
+          <a:off x="0" y="0"/>
+          <a:ext cx="0" cy="0"/>
+          <a:chOff x="0" y="0"/>
+          <a:chExt cx="0" cy="0"/>
+        </a:xfrm>
+      </p:grpSpPr>
+      <p:sp>
+        <p:nvSpPr>
+          <p:cNvPr id="400" name="Google Shape;400;p32:notes">
+            <a:extLst>
+              <a:ext uri="{FF2B5EF4-FFF2-40B4-BE49-F238E27FC236}">
+                <a16:creationId xmlns:a16="http://schemas.microsoft.com/office/drawing/2014/main" id="{352A0EA3-4AA6-BC98-BC39-2ECA5E4B30B3}"/>
+              </a:ext>
+            </a:extLst>
+          </p:cNvPr>
+          <p:cNvSpPr txBox="1">
+            <a:spLocks noGrp="1"/>
+          </p:cNvSpPr>
+          <p:nvPr>
+            <p:ph type="body" idx="1"/>
+          </p:nvPr>
+        </p:nvSpPr>
+        <p:spPr>
+          <a:xfrm>
+            <a:off x="685800" y="4343400"/>
+            <a:ext cx="5486400" cy="4114800"/>
+          </a:xfrm>
+          <a:prstGeom prst="rect">
+            <a:avLst/>
+          </a:prstGeom>
+        </p:spPr>
+        <p:txBody>
+          <a:bodyPr spcFirstLastPara="1" wrap="square" lIns="91425" tIns="91425" rIns="91425" bIns="91425" anchor="t" anchorCtr="0">
+            <a:noAutofit/>
+          </a:bodyPr>
+          <a:lstStyle/>
+          <a:p>
+            <a:pPr marL="0" lvl="0" indent="0" algn="l" rtl="0">
+              <a:spcBef>
+                <a:spcPts val="0"/>
+              </a:spcBef>
+              <a:spcAft>
+                <a:spcPts val="0"/>
+              </a:spcAft>
+              <a:buNone/>
+            </a:pPr>
+            <a:endParaRPr/>
+          </a:p>
+        </p:txBody>
+      </p:sp>
+      <p:sp>
+        <p:nvSpPr>
+          <p:cNvPr id="401" name="Google Shape;401;p32:notes">
+            <a:extLst>
+              <a:ext uri="{FF2B5EF4-FFF2-40B4-BE49-F238E27FC236}">
+                <a16:creationId xmlns:a16="http://schemas.microsoft.com/office/drawing/2014/main" id="{C30ECEA3-A503-2709-2712-01D04FF2264C}"/>
+              </a:ext>
+            </a:extLst>
+          </p:cNvPr>
+          <p:cNvSpPr>
+            <a:spLocks noGrp="1" noRot="1" noChangeAspect="1"/>
+          </p:cNvSpPr>
+          <p:nvPr>
+            <p:ph type="sldImg" idx="2"/>
+          </p:nvPr>
+        </p:nvSpPr>
+        <p:spPr>
+          <a:xfrm>
+            <a:off x="381000" y="685800"/>
+            <a:ext cx="6096000" cy="3429000"/>
+          </a:xfrm>
+          <a:custGeom>
+            <a:avLst/>
+            <a:gdLst/>
+            <a:ahLst/>
+            <a:cxnLst/>
+            <a:rect l="l" t="t" r="r" b="b"/>
+            <a:pathLst>
+              <a:path w="120000" h="120000" extrusionOk="0">
+                <a:moveTo>
+                  <a:pt x="0" y="0"/>
+                </a:moveTo>
+                <a:lnTo>
+                  <a:pt x="120000" y="0"/>
+                </a:lnTo>
+                <a:lnTo>
+                  <a:pt x="120000" y="120000"/>
+                </a:lnTo>
+                <a:lnTo>
+                  <a:pt x="0" y="120000"/>
+                </a:lnTo>
+                <a:close/>
+              </a:path>
+            </a:pathLst>
+          </a:custGeom>
+        </p:spPr>
+      </p:sp>
+    </p:spTree>
+    <p:extLst>
+      <p:ext uri="{BB962C8B-B14F-4D97-AF65-F5344CB8AC3E}">
+        <p14:creationId xmlns:p14="http://schemas.microsoft.com/office/powerpoint/2010/main" val="2526415953"/>
+      </p:ext>
+    </p:extLst>
+  </p:cSld>
+  <p:clrMapOvr>
+    <a:masterClrMapping/>
+  </p:clrMapOvr>
+</p:notes>
+</file>
+
+<file path=ppt/notesSlides/notesSlide28.xml><?xml version="1.0" encoding="utf-8"?>
+<p:notes xmlns:a="http://schemas.openxmlformats.org/drawingml/2006/main" xmlns:r="http://schemas.openxmlformats.org/officeDocument/2006/relationships" xmlns:p="http://schemas.openxmlformats.org/presentationml/2006/main" showMasterSp="0" showMasterPhAnim="0">
+  <p:cSld>
+    <p:spTree>
+      <p:nvGrpSpPr>
         <p:cNvPr id="1" name="Shape 405"/>
         <p:cNvGrpSpPr/>
         <p:nvPr/>
@@ -4077,7 +4205,7 @@
             <a:fld id="{5586B75A-687E-405C-8A0B-8D00578BA2C3}" type="datetimeFigureOut">
               <a:rPr lang="en-US" smtClean="0"/>
               <a:pPr/>
-              <a:t>9/24/25</a:t>
+              <a:t>9/25/25</a:t>
             </a:fld>
             <a:endParaRPr lang="en-US" dirty="0"/>
           </a:p>
@@ -4249,7 +4377,7 @@
             <a:fld id="{5586B75A-687E-405C-8A0B-8D00578BA2C3}" type="datetimeFigureOut">
               <a:rPr lang="en-US" smtClean="0"/>
               <a:pPr/>
-              <a:t>9/24/25</a:t>
+              <a:t>9/25/25</a:t>
             </a:fld>
             <a:endParaRPr lang="en-US" dirty="0"/>
           </a:p>
@@ -4431,7 +4559,7 @@
             <a:fld id="{5586B75A-687E-405C-8A0B-8D00578BA2C3}" type="datetimeFigureOut">
               <a:rPr lang="en-US" smtClean="0"/>
               <a:pPr/>
-              <a:t>9/24/25</a:t>
+              <a:t>9/25/25</a:t>
             </a:fld>
             <a:endParaRPr lang="en-US" dirty="0"/>
           </a:p>
@@ -4603,7 +4731,7 @@
             <a:fld id="{5586B75A-687E-405C-8A0B-8D00578BA2C3}" type="datetimeFigureOut">
               <a:rPr lang="en-US" smtClean="0"/>
               <a:pPr/>
-              <a:t>9/24/25</a:t>
+              <a:t>9/25/25</a:t>
             </a:fld>
             <a:endParaRPr lang="en-US" dirty="0"/>
           </a:p>
@@ -4859,7 +4987,7 @@
             <a:fld id="{5586B75A-687E-405C-8A0B-8D00578BA2C3}" type="datetimeFigureOut">
               <a:rPr lang="en-US" smtClean="0"/>
               <a:pPr/>
-              <a:t>9/24/25</a:t>
+              <a:t>9/25/25</a:t>
             </a:fld>
             <a:endParaRPr lang="en-US" dirty="0"/>
           </a:p>
@@ -5149,7 +5277,7 @@
             <a:fld id="{5586B75A-687E-405C-8A0B-8D00578BA2C3}" type="datetimeFigureOut">
               <a:rPr lang="en-US" smtClean="0"/>
               <a:pPr/>
-              <a:t>9/24/25</a:t>
+              <a:t>9/25/25</a:t>
             </a:fld>
             <a:endParaRPr lang="en-US" dirty="0"/>
           </a:p>
@@ -5593,7 +5721,7 @@
             <a:fld id="{5586B75A-687E-405C-8A0B-8D00578BA2C3}" type="datetimeFigureOut">
               <a:rPr lang="en-US" smtClean="0"/>
               <a:pPr/>
-              <a:t>9/24/25</a:t>
+              <a:t>9/25/25</a:t>
             </a:fld>
             <a:endParaRPr lang="en-US" dirty="0"/>
           </a:p>
@@ -5713,7 +5841,7 @@
             <a:fld id="{5586B75A-687E-405C-8A0B-8D00578BA2C3}" type="datetimeFigureOut">
               <a:rPr lang="en-US" smtClean="0"/>
               <a:pPr/>
-              <a:t>9/24/25</a:t>
+              <a:t>9/25/25</a:t>
             </a:fld>
             <a:endParaRPr lang="en-US" dirty="0"/>
           </a:p>
@@ -5810,7 +5938,7 @@
             <a:fld id="{5586B75A-687E-405C-8A0B-8D00578BA2C3}" type="datetimeFigureOut">
               <a:rPr lang="en-US" smtClean="0"/>
               <a:pPr/>
-              <a:t>9/24/25</a:t>
+              <a:t>9/25/25</a:t>
             </a:fld>
             <a:endParaRPr lang="en-US" dirty="0"/>
           </a:p>
@@ -6100,7 +6228,7 @@
             <a:fld id="{5586B75A-687E-405C-8A0B-8D00578BA2C3}" type="datetimeFigureOut">
               <a:rPr lang="en-US" smtClean="0"/>
               <a:pPr/>
-              <a:t>9/24/25</a:t>
+              <a:t>9/25/25</a:t>
             </a:fld>
             <a:endParaRPr lang="en-US" dirty="0"/>
           </a:p>
@@ -6375,7 +6503,7 @@
             <a:fld id="{5586B75A-687E-405C-8A0B-8D00578BA2C3}" type="datetimeFigureOut">
               <a:rPr lang="en-US" smtClean="0"/>
               <a:pPr/>
-              <a:t>9/24/25</a:t>
+              <a:t>9/25/25</a:t>
             </a:fld>
             <a:endParaRPr lang="en-US" dirty="0"/>
           </a:p>
@@ -6688,7 +6816,7 @@
             <a:fld id="{5586B75A-687E-405C-8A0B-8D00578BA2C3}" type="datetimeFigureOut">
               <a:rPr lang="en-US" smtClean="0"/>
               <a:pPr/>
-              <a:t>9/24/25</a:t>
+              <a:t>9/25/25</a:t>
             </a:fld>
             <a:endParaRPr lang="en-US" dirty="0"/>
           </a:p>
@@ -17795,39 +17923,6 @@
           <a:chExt cx="0" cy="0"/>
         </a:xfrm>
       </p:grpSpPr>
-      <p:pic>
-        <p:nvPicPr>
-          <p:cNvPr id="404" name="Google Shape;404;p40">
-            <a:hlinkClick r:id="rId3"/>
-          </p:cNvPr>
-          <p:cNvPicPr preferRelativeResize="0">
-            <a:picLocks noGrp="1"/>
-          </p:cNvPicPr>
-          <p:nvPr>
-            <p:ph type="body" idx="1"/>
-          </p:nvPr>
-        </p:nvPicPr>
-        <p:blipFill rotWithShape="1">
-          <a:blip r:embed="rId4">
-            <a:alphaModFix/>
-          </a:blip>
-          <a:srcRect l="-34375" r="-34375"/>
-          <a:stretch/>
-        </p:blipFill>
-        <p:spPr>
-          <a:xfrm>
-            <a:off x="3200401" y="986028"/>
-            <a:ext cx="8229600" cy="4876800"/>
-          </a:xfrm>
-          <a:prstGeom prst="rect">
-            <a:avLst/>
-          </a:prstGeom>
-          <a:noFill/>
-          <a:ln>
-            <a:noFill/>
-          </a:ln>
-        </p:spPr>
-      </p:pic>
       <p:sp>
         <p:nvSpPr>
           <p:cNvPr id="2" name="Title 1">
@@ -17877,7 +17972,7 @@
           <a:p>
             <a:r>
               <a:rPr lang="en-US" dirty="0"/>
-              <a:t>Example: Wealth inequality in the US (interactive)</a:t>
+              <a:t>Example: Track Covid-19 in the US (interactive)</a:t>
             </a:r>
           </a:p>
         </p:txBody>
@@ -17911,20 +18006,47 @@
           <a:lstStyle/>
           <a:p>
             <a:r>
+              <a:rPr lang="en-US" dirty="0">
+                <a:hlinkClick r:id="rId3"/>
+              </a:rPr>
+              <a:t>https://www.nytimes.com/interactive/2023/us/covid-cases.html</a:t>
+            </a:r>
+            <a:r>
               <a:rPr lang="en-US" dirty="0"/>
-              <a:t>https://</a:t>
-            </a:r>
-            <a:r>
-              <a:rPr lang="en-US" dirty="0" err="1"/>
-              <a:t>www.npr.org</a:t>
-            </a:r>
-            <a:r>
-              <a:rPr lang="en-US" dirty="0"/>
-              <a:t>/sections/money/2015/02/11/384988128/the-fall-and-rise-of-u-s-inequality-in-2-graphs</a:t>
-            </a:r>
-          </a:p>
-        </p:txBody>
-      </p:sp>
+              <a:t> </a:t>
+            </a:r>
+          </a:p>
+        </p:txBody>
+      </p:sp>
+      <p:pic>
+        <p:nvPicPr>
+          <p:cNvPr id="7" name="Content Placeholder 6">
+            <a:extLst>
+              <a:ext uri="{FF2B5EF4-FFF2-40B4-BE49-F238E27FC236}">
+                <a16:creationId xmlns:a16="http://schemas.microsoft.com/office/drawing/2014/main" id="{9CD8A788-AE41-B07C-FC51-3E055099EF72}"/>
+              </a:ext>
+            </a:extLst>
+          </p:cNvPr>
+          <p:cNvPicPr>
+            <a:picLocks noGrp="1" noChangeAspect="1"/>
+          </p:cNvPicPr>
+          <p:nvPr>
+            <p:ph idx="1"/>
+          </p:nvPr>
+        </p:nvPicPr>
+        <p:blipFill>
+          <a:blip r:embed="rId4"/>
+          <a:stretch>
+            <a:fillRect/>
+          </a:stretch>
+        </p:blipFill>
+        <p:spPr>
+          <a:xfrm>
+            <a:off x="4035578" y="863600"/>
+            <a:ext cx="6981519" cy="5121275"/>
+          </a:xfrm>
+        </p:spPr>
+      </p:pic>
     </p:spTree>
   </p:cSld>
   <p:clrMapOvr>
@@ -17934,6 +18056,166 @@
 </file>
 
 <file path=ppt/slides/slide31.xml><?xml version="1.0" encoding="utf-8"?>
+<p:sld xmlns:a="http://schemas.openxmlformats.org/drawingml/2006/main" xmlns:r="http://schemas.openxmlformats.org/officeDocument/2006/relationships" xmlns:p="http://schemas.openxmlformats.org/presentationml/2006/main">
+  <p:cSld>
+    <p:spTree>
+      <p:nvGrpSpPr>
+        <p:cNvPr id="1" name="Shape 402">
+          <a:extLst>
+            <a:ext uri="{FF2B5EF4-FFF2-40B4-BE49-F238E27FC236}">
+              <a16:creationId xmlns:a16="http://schemas.microsoft.com/office/drawing/2014/main" id="{73D2CC45-16EF-FED0-2A93-2F9B63246EC4}"/>
+            </a:ext>
+          </a:extLst>
+        </p:cNvPr>
+        <p:cNvGrpSpPr/>
+        <p:nvPr/>
+      </p:nvGrpSpPr>
+      <p:grpSpPr>
+        <a:xfrm>
+          <a:off x="0" y="0"/>
+          <a:ext cx="0" cy="0"/>
+          <a:chOff x="0" y="0"/>
+          <a:chExt cx="0" cy="0"/>
+        </a:xfrm>
+      </p:grpSpPr>
+      <p:sp>
+        <p:nvSpPr>
+          <p:cNvPr id="2" name="Title 1">
+            <a:extLst>
+              <a:ext uri="{FF2B5EF4-FFF2-40B4-BE49-F238E27FC236}">
+                <a16:creationId xmlns:a16="http://schemas.microsoft.com/office/drawing/2014/main" id="{8FFC442C-93A3-E285-BD38-CB85243A4B5A}"/>
+              </a:ext>
+            </a:extLst>
+          </p:cNvPr>
+          <p:cNvSpPr txBox="1">
+            <a:spLocks/>
+          </p:cNvSpPr>
+          <p:nvPr/>
+        </p:nvSpPr>
+        <p:spPr>
+          <a:xfrm>
+            <a:off x="252919" y="1123837"/>
+            <a:ext cx="2947482" cy="4601183"/>
+          </a:xfrm>
+          <a:prstGeom prst="rect">
+            <a:avLst/>
+          </a:prstGeom>
+        </p:spPr>
+        <p:txBody>
+          <a:bodyPr vert="horz" lIns="91440" tIns="45720" rIns="91440" bIns="45720" rtlCol="0" anchor="ctr">
+            <a:normAutofit/>
+          </a:bodyPr>
+          <a:lstStyle>
+            <a:lvl1pPr algn="l" defTabSz="914400" rtl="0" eaLnBrk="1" latinLnBrk="0" hangingPunct="1">
+              <a:lnSpc>
+                <a:spcPct val="90000"/>
+              </a:lnSpc>
+              <a:spcBef>
+                <a:spcPct val="0"/>
+              </a:spcBef>
+              <a:buNone/>
+              <a:defRPr sz="3600" kern="1200" spc="-60" baseline="0">
+                <a:solidFill>
+                  <a:srgbClr val="FFFFFF"/>
+                </a:solidFill>
+                <a:latin typeface="+mj-lt"/>
+                <a:ea typeface="+mj-ea"/>
+                <a:cs typeface="+mj-cs"/>
+              </a:defRPr>
+            </a:lvl1pPr>
+          </a:lstStyle>
+          <a:p>
+            <a:r>
+              <a:rPr lang="en-US" dirty="0"/>
+              <a:t>Example: Hospital Data (interactive)</a:t>
+            </a:r>
+          </a:p>
+        </p:txBody>
+      </p:sp>
+      <p:sp>
+        <p:nvSpPr>
+          <p:cNvPr id="4" name="TextBox 3">
+            <a:extLst>
+              <a:ext uri="{FF2B5EF4-FFF2-40B4-BE49-F238E27FC236}">
+                <a16:creationId xmlns:a16="http://schemas.microsoft.com/office/drawing/2014/main" id="{4D57306A-C452-D0D3-302A-60953840D81C}"/>
+              </a:ext>
+            </a:extLst>
+          </p:cNvPr>
+          <p:cNvSpPr txBox="1"/>
+          <p:nvPr/>
+        </p:nvSpPr>
+        <p:spPr>
+          <a:xfrm>
+            <a:off x="3605646" y="5973925"/>
+            <a:ext cx="6102926" cy="646331"/>
+          </a:xfrm>
+          <a:prstGeom prst="rect">
+            <a:avLst/>
+          </a:prstGeom>
+          <a:noFill/>
+        </p:spPr>
+        <p:txBody>
+          <a:bodyPr wrap="square">
+            <a:spAutoFit/>
+          </a:bodyPr>
+          <a:lstStyle/>
+          <a:p>
+            <a:r>
+              <a:rPr lang="en-US" dirty="0">
+                <a:hlinkClick r:id="rId3"/>
+              </a:rPr>
+              <a:t>https://shiny.posit.co/r/gallery/life-sciences/hospital-data-antimicrobial/</a:t>
+            </a:r>
+            <a:r>
+              <a:rPr lang="en-US" dirty="0"/>
+              <a:t> </a:t>
+            </a:r>
+          </a:p>
+        </p:txBody>
+      </p:sp>
+      <p:pic>
+        <p:nvPicPr>
+          <p:cNvPr id="8" name="Content Placeholder 7" descr="A screenshot of a computer&#10;&#10;AI-generated content may be incorrect.">
+            <a:extLst>
+              <a:ext uri="{FF2B5EF4-FFF2-40B4-BE49-F238E27FC236}">
+                <a16:creationId xmlns:a16="http://schemas.microsoft.com/office/drawing/2014/main" id="{C97B2881-3C69-6178-3DDE-EFAD95EDE6CE}"/>
+              </a:ext>
+            </a:extLst>
+          </p:cNvPr>
+          <p:cNvPicPr>
+            <a:picLocks noGrp="1" noChangeAspect="1"/>
+          </p:cNvPicPr>
+          <p:nvPr>
+            <p:ph idx="1"/>
+          </p:nvPr>
+        </p:nvPicPr>
+        <p:blipFill>
+          <a:blip r:embed="rId4"/>
+          <a:stretch>
+            <a:fillRect/>
+          </a:stretch>
+        </p:blipFill>
+        <p:spPr>
+          <a:xfrm>
+            <a:off x="3662218" y="827206"/>
+            <a:ext cx="7315200" cy="4753794"/>
+          </a:xfrm>
+        </p:spPr>
+      </p:pic>
+    </p:spTree>
+    <p:extLst>
+      <p:ext uri="{BB962C8B-B14F-4D97-AF65-F5344CB8AC3E}">
+        <p14:creationId xmlns:p14="http://schemas.microsoft.com/office/powerpoint/2010/main" val="2430931676"/>
+      </p:ext>
+    </p:extLst>
+  </p:cSld>
+  <p:clrMapOvr>
+    <a:masterClrMapping/>
+  </p:clrMapOvr>
+</p:sld>
+</file>
+
+<file path=ppt/slides/slide32.xml><?xml version="1.0" encoding="utf-8"?>
 <p:sld xmlns:a="http://schemas.openxmlformats.org/drawingml/2006/main" xmlns:r="http://schemas.openxmlformats.org/officeDocument/2006/relationships" xmlns:p="http://schemas.openxmlformats.org/presentationml/2006/main">
   <p:cSld>
     <p:spTree>
